--- a/01.-Promocionales/Promoción_Taller_Ciberseguridad_con_Inteligencia_Artificial.pptx
+++ b/01.-Promocionales/Promoción_Taller_Ciberseguridad_con_Inteligencia_Artificial.pptx
@@ -399,7 +399,7 @@
           <a:p>
             <a:fld id="{40771E8B-6CA5-40B2-8038-0E112F3DAC1C}" type="datetimeFigureOut">
               <a:rPr lang="es-ES" smtClean="0"/>
-              <a:t>01/04/2024</a:t>
+              <a:t>02/04/2024</a:t>
             </a:fld>
             <a:endParaRPr lang="es-ES"/>
           </a:p>
@@ -569,7 +569,7 @@
           <a:p>
             <a:fld id="{40771E8B-6CA5-40B2-8038-0E112F3DAC1C}" type="datetimeFigureOut">
               <a:rPr lang="es-ES" smtClean="0"/>
-              <a:t>01/04/2024</a:t>
+              <a:t>02/04/2024</a:t>
             </a:fld>
             <a:endParaRPr lang="es-ES"/>
           </a:p>
@@ -749,7 +749,7 @@
           <a:p>
             <a:fld id="{40771E8B-6CA5-40B2-8038-0E112F3DAC1C}" type="datetimeFigureOut">
               <a:rPr lang="es-ES" smtClean="0"/>
-              <a:t>01/04/2024</a:t>
+              <a:t>02/04/2024</a:t>
             </a:fld>
             <a:endParaRPr lang="es-ES"/>
           </a:p>
@@ -919,7 +919,7 @@
           <a:p>
             <a:fld id="{40771E8B-6CA5-40B2-8038-0E112F3DAC1C}" type="datetimeFigureOut">
               <a:rPr lang="es-ES" smtClean="0"/>
-              <a:t>01/04/2024</a:t>
+              <a:t>02/04/2024</a:t>
             </a:fld>
             <a:endParaRPr lang="es-ES"/>
           </a:p>
@@ -1165,7 +1165,7 @@
           <a:p>
             <a:fld id="{40771E8B-6CA5-40B2-8038-0E112F3DAC1C}" type="datetimeFigureOut">
               <a:rPr lang="es-ES" smtClean="0"/>
-              <a:t>01/04/2024</a:t>
+              <a:t>02/04/2024</a:t>
             </a:fld>
             <a:endParaRPr lang="es-ES"/>
           </a:p>
@@ -1397,7 +1397,7 @@
           <a:p>
             <a:fld id="{40771E8B-6CA5-40B2-8038-0E112F3DAC1C}" type="datetimeFigureOut">
               <a:rPr lang="es-ES" smtClean="0"/>
-              <a:t>01/04/2024</a:t>
+              <a:t>02/04/2024</a:t>
             </a:fld>
             <a:endParaRPr lang="es-ES"/>
           </a:p>
@@ -1764,7 +1764,7 @@
           <a:p>
             <a:fld id="{40771E8B-6CA5-40B2-8038-0E112F3DAC1C}" type="datetimeFigureOut">
               <a:rPr lang="es-ES" smtClean="0"/>
-              <a:t>01/04/2024</a:t>
+              <a:t>02/04/2024</a:t>
             </a:fld>
             <a:endParaRPr lang="es-ES"/>
           </a:p>
@@ -1882,7 +1882,7 @@
           <a:p>
             <a:fld id="{40771E8B-6CA5-40B2-8038-0E112F3DAC1C}" type="datetimeFigureOut">
               <a:rPr lang="es-ES" smtClean="0"/>
-              <a:t>01/04/2024</a:t>
+              <a:t>02/04/2024</a:t>
             </a:fld>
             <a:endParaRPr lang="es-ES"/>
           </a:p>
@@ -1977,7 +1977,7 @@
           <a:p>
             <a:fld id="{40771E8B-6CA5-40B2-8038-0E112F3DAC1C}" type="datetimeFigureOut">
               <a:rPr lang="es-ES" smtClean="0"/>
-              <a:t>01/04/2024</a:t>
+              <a:t>02/04/2024</a:t>
             </a:fld>
             <a:endParaRPr lang="es-ES"/>
           </a:p>
@@ -2254,7 +2254,7 @@
           <a:p>
             <a:fld id="{40771E8B-6CA5-40B2-8038-0E112F3DAC1C}" type="datetimeFigureOut">
               <a:rPr lang="es-ES" smtClean="0"/>
-              <a:t>01/04/2024</a:t>
+              <a:t>02/04/2024</a:t>
             </a:fld>
             <a:endParaRPr lang="es-ES"/>
           </a:p>
@@ -2511,7 +2511,7 @@
           <a:p>
             <a:fld id="{40771E8B-6CA5-40B2-8038-0E112F3DAC1C}" type="datetimeFigureOut">
               <a:rPr lang="es-ES" smtClean="0"/>
-              <a:t>01/04/2024</a:t>
+              <a:t>02/04/2024</a:t>
             </a:fld>
             <a:endParaRPr lang="es-ES"/>
           </a:p>
@@ -2722,7 +2722,7 @@
           <a:p>
             <a:fld id="{40771E8B-6CA5-40B2-8038-0E112F3DAC1C}" type="datetimeFigureOut">
               <a:rPr lang="es-ES" smtClean="0"/>
-              <a:t>01/04/2024</a:t>
+              <a:t>02/04/2024</a:t>
             </a:fld>
             <a:endParaRPr lang="es-ES"/>
           </a:p>
@@ -3178,7 +3178,7 @@
         <p:spPr>
           <a:xfrm>
             <a:off x="818291" y="-41059"/>
-            <a:ext cx="11367232" cy="954107"/>
+            <a:ext cx="11367232" cy="1384995"/>
           </a:xfrm>
           <a:prstGeom prst="rect">
             <a:avLst/>
@@ -3203,7 +3203,7 @@
                 <a:latin typeface="Sitka Heading"/>
                 <a:cs typeface="Calibri"/>
               </a:rPr>
-              <a:t>El Departamento de Estudios en Ingeniería para la Innovación, invitan a la comunidad universitaria al taller.</a:t>
+              <a:t>El Departamento de Estudios en Ingeniería para la Innovación y la Coordinación de Ciencia de Datos, invitan a la comunidad universitaria al taller:</a:t>
             </a:r>
             <a:endParaRPr lang="es-MX" sz="1600" dirty="0">
               <a:solidFill>
@@ -3228,7 +3228,7 @@
         </p:nvSpPr>
         <p:spPr>
           <a:xfrm>
-            <a:off x="809097" y="1126091"/>
+            <a:off x="809097" y="1394760"/>
             <a:ext cx="11367232" cy="1877437"/>
           </a:xfrm>
           <a:prstGeom prst="rect">
@@ -3373,7 +3373,7 @@
                 <a:ea typeface="+mn-lt"/>
                 <a:cs typeface="+mn-lt"/>
               </a:rPr>
-              <a:t>Martes y Jueves, laboratorio DPB-02.</a:t>
+              <a:t>Sesiones los martes y jueves, laboratorio DPB-02.</a:t>
             </a:r>
           </a:p>
           <a:p>
@@ -3396,29 +3396,7 @@
                 <a:ea typeface="+mn-lt"/>
                 <a:cs typeface="+mn-lt"/>
               </a:rPr>
-              <a:t>Cupo limitado </a:t>
-            </a:r>
-            <a:r>
-              <a:rPr lang="es-ES" sz="2400" b="1">
-                <a:solidFill>
-                  <a:srgbClr val="847770"/>
-                </a:solidFill>
-                <a:latin typeface="Lucida Sans"/>
-                <a:ea typeface="+mn-lt"/>
-                <a:cs typeface="+mn-lt"/>
-              </a:rPr>
-              <a:t>a 20 </a:t>
-            </a:r>
-            <a:r>
-              <a:rPr lang="es-ES" sz="2400" b="1" dirty="0">
-                <a:solidFill>
-                  <a:srgbClr val="847770"/>
-                </a:solidFill>
-                <a:latin typeface="Lucida Sans"/>
-                <a:ea typeface="+mn-lt"/>
-                <a:cs typeface="+mn-lt"/>
-              </a:rPr>
-              <a:t>participantes!</a:t>
+              <a:t>Cupo limitado a 20 participantes!</a:t>
             </a:r>
             <a:endParaRPr lang="es-ES" sz="2400" dirty="0">
               <a:solidFill>
@@ -3794,7 +3772,7 @@
           <p:nvPr/>
         </p:nvPicPr>
         <p:blipFill>
-          <a:blip r:embed="rId6">
+          <a:blip r:embed="rId6" cstate="print">
             <a:extLst>
               <a:ext uri="{28A0092B-C50C-407E-A947-70E740481C1C}">
                 <a14:useLocalDpi xmlns:a14="http://schemas.microsoft.com/office/drawing/2010/main" val="0"/>
@@ -3863,7 +3841,7 @@
           <p:nvPr/>
         </p:nvPicPr>
         <p:blipFill>
-          <a:blip r:embed="rId8">
+          <a:blip r:embed="rId8" cstate="print">
             <a:extLst>
               <a:ext uri="{28A0092B-C50C-407E-A947-70E740481C1C}">
                 <a14:useLocalDpi xmlns:a14="http://schemas.microsoft.com/office/drawing/2010/main" val="0"/>

--- a/01.-Promocionales/Promoción_Taller_Ciberseguridad_con_Inteligencia_Artificial.pptx
+++ b/01.-Promocionales/Promoción_Taller_Ciberseguridad_con_Inteligencia_Artificial.pptx
@@ -149,123 +149,6 @@
     <p1510:client id="{C72C0B7D-9388-48F4-8131-415A6BAE0245}" v="10" dt="2024-04-01T16:10:12.295"/>
   </p1510:revLst>
 </p1510:revInfo>
-</file>
-
-<file path=ppt/changesInfos/changesInfo1.xml><?xml version="1.0" encoding="utf-8"?>
-<pc:chgInfo xmlns:a="http://schemas.openxmlformats.org/drawingml/2006/main" xmlns:r="http://schemas.openxmlformats.org/officeDocument/2006/relationships" xmlns:ac="http://schemas.microsoft.com/office/drawing/2013/main/command" xmlns:pc="http://schemas.microsoft.com/office/powerpoint/2013/main/command">
-  <pc:docChgLst>
-    <pc:chgData name="Bustio Martínez Lázaro" userId="40a2716d-298b-429a-a0ab-e42e295773ea" providerId="ADAL" clId="{C72C0B7D-9388-48F4-8131-415A6BAE0245}"/>
-    <pc:docChg chg="undo custSel modSld">
-      <pc:chgData name="Bustio Martínez Lázaro" userId="40a2716d-298b-429a-a0ab-e42e295773ea" providerId="ADAL" clId="{C72C0B7D-9388-48F4-8131-415A6BAE0245}" dt="2024-04-01T16:47:32.824" v="204" actId="20577"/>
-      <pc:docMkLst>
-        <pc:docMk/>
-      </pc:docMkLst>
-      <pc:sldChg chg="addSp delSp modSp mod">
-        <pc:chgData name="Bustio Martínez Lázaro" userId="40a2716d-298b-429a-a0ab-e42e295773ea" providerId="ADAL" clId="{C72C0B7D-9388-48F4-8131-415A6BAE0245}" dt="2024-04-01T16:47:32.824" v="204" actId="20577"/>
-        <pc:sldMkLst>
-          <pc:docMk/>
-          <pc:sldMk cId="2406273178" sldId="256"/>
-        </pc:sldMkLst>
-        <pc:spChg chg="add">
-          <ac:chgData name="Bustio Martínez Lázaro" userId="40a2716d-298b-429a-a0ab-e42e295773ea" providerId="ADAL" clId="{C72C0B7D-9388-48F4-8131-415A6BAE0245}" dt="2024-04-01T16:08:46.249" v="130"/>
-          <ac:spMkLst>
-            <pc:docMk/>
-            <pc:sldMk cId="2406273178" sldId="256"/>
-            <ac:spMk id="2" creationId="{9B4DE97F-0AA2-E9E1-5FA4-F87A1DFF0482}"/>
-          </ac:spMkLst>
-        </pc:spChg>
-        <pc:spChg chg="add">
-          <ac:chgData name="Bustio Martínez Lázaro" userId="40a2716d-298b-429a-a0ab-e42e295773ea" providerId="ADAL" clId="{C72C0B7D-9388-48F4-8131-415A6BAE0245}" dt="2024-04-01T16:09:15.402" v="131"/>
-          <ac:spMkLst>
-            <pc:docMk/>
-            <pc:sldMk cId="2406273178" sldId="256"/>
-            <ac:spMk id="3" creationId="{0D3A64EB-D579-56AF-5293-67CA478927C1}"/>
-          </ac:spMkLst>
-        </pc:spChg>
-        <pc:spChg chg="add">
-          <ac:chgData name="Bustio Martínez Lázaro" userId="40a2716d-298b-429a-a0ab-e42e295773ea" providerId="ADAL" clId="{C72C0B7D-9388-48F4-8131-415A6BAE0245}" dt="2024-04-01T16:09:28.481" v="132"/>
-          <ac:spMkLst>
-            <pc:docMk/>
-            <pc:sldMk cId="2406273178" sldId="256"/>
-            <ac:spMk id="8" creationId="{6757782E-066E-991D-BB20-DE52DF7A8E7B}"/>
-          </ac:spMkLst>
-        </pc:spChg>
-        <pc:spChg chg="mod">
-          <ac:chgData name="Bustio Martínez Lázaro" userId="40a2716d-298b-429a-a0ab-e42e295773ea" providerId="ADAL" clId="{C72C0B7D-9388-48F4-8131-415A6BAE0245}" dt="2024-04-01T16:17:08.973" v="182" actId="1076"/>
-          <ac:spMkLst>
-            <pc:docMk/>
-            <pc:sldMk cId="2406273178" sldId="256"/>
-            <ac:spMk id="14" creationId="{E4B89386-64EE-4EE7-8199-D2676B2B5C63}"/>
-          </ac:spMkLst>
-        </pc:spChg>
-        <pc:spChg chg="mod">
-          <ac:chgData name="Bustio Martínez Lázaro" userId="40a2716d-298b-429a-a0ab-e42e295773ea" providerId="ADAL" clId="{C72C0B7D-9388-48F4-8131-415A6BAE0245}" dt="2024-04-01T16:27:09.429" v="196" actId="1076"/>
-          <ac:spMkLst>
-            <pc:docMk/>
-            <pc:sldMk cId="2406273178" sldId="256"/>
-            <ac:spMk id="15" creationId="{EA10FCF4-2850-44F0-82C5-09DCA329D8A9}"/>
-          </ac:spMkLst>
-        </pc:spChg>
-        <pc:spChg chg="mod">
-          <ac:chgData name="Bustio Martínez Lázaro" userId="40a2716d-298b-429a-a0ab-e42e295773ea" providerId="ADAL" clId="{C72C0B7D-9388-48F4-8131-415A6BAE0245}" dt="2024-04-01T16:47:32.824" v="204" actId="20577"/>
-          <ac:spMkLst>
-            <pc:docMk/>
-            <pc:sldMk cId="2406273178" sldId="256"/>
-            <ac:spMk id="18" creationId="{AB3CF0CC-0C66-1C6A-FA6C-90EE8B469B37}"/>
-          </ac:spMkLst>
-        </pc:spChg>
-        <pc:spChg chg="del">
-          <ac:chgData name="Bustio Martínez Lázaro" userId="40a2716d-298b-429a-a0ab-e42e295773ea" providerId="ADAL" clId="{C72C0B7D-9388-48F4-8131-415A6BAE0245}" dt="2024-04-01T16:18:17.850" v="185" actId="478"/>
-          <ac:spMkLst>
-            <pc:docMk/>
-            <pc:sldMk cId="2406273178" sldId="256"/>
-            <ac:spMk id="19" creationId="{31954790-B674-8D63-01EC-C576F55BB7FB}"/>
-          </ac:spMkLst>
-        </pc:spChg>
-        <pc:picChg chg="add mod">
-          <ac:chgData name="Bustio Martínez Lázaro" userId="40a2716d-298b-429a-a0ab-e42e295773ea" providerId="ADAL" clId="{C72C0B7D-9388-48F4-8131-415A6BAE0245}" dt="2024-04-01T16:09:53.766" v="137" actId="1076"/>
-          <ac:picMkLst>
-            <pc:docMk/>
-            <pc:sldMk cId="2406273178" sldId="256"/>
-            <ac:picMk id="9" creationId="{91B177E6-3763-C68E-0CB2-2C17ECB28AA6}"/>
-          </ac:picMkLst>
-        </pc:picChg>
-        <pc:picChg chg="add mod">
-          <ac:chgData name="Bustio Martínez Lázaro" userId="40a2716d-298b-429a-a0ab-e42e295773ea" providerId="ADAL" clId="{C72C0B7D-9388-48F4-8131-415A6BAE0245}" dt="2024-04-01T16:27:36.879" v="200" actId="1076"/>
-          <ac:picMkLst>
-            <pc:docMk/>
-            <pc:sldMk cId="2406273178" sldId="256"/>
-            <ac:picMk id="10" creationId="{7D7DDEE0-D70C-945A-5165-340E26CB372B}"/>
-          </ac:picMkLst>
-        </pc:picChg>
-        <pc:picChg chg="mod">
-          <ac:chgData name="Bustio Martínez Lázaro" userId="40a2716d-298b-429a-a0ab-e42e295773ea" providerId="ADAL" clId="{C72C0B7D-9388-48F4-8131-415A6BAE0245}" dt="2024-04-01T16:27:28.821" v="198" actId="14100"/>
-          <ac:picMkLst>
-            <pc:docMk/>
-            <pc:sldMk cId="2406273178" sldId="256"/>
-            <ac:picMk id="13" creationId="{9DD025DC-E024-446A-ADBD-8E3BFFBCE9B0}"/>
-          </ac:picMkLst>
-        </pc:picChg>
-        <pc:picChg chg="mod">
-          <ac:chgData name="Bustio Martínez Lázaro" userId="40a2716d-298b-429a-a0ab-e42e295773ea" providerId="ADAL" clId="{C72C0B7D-9388-48F4-8131-415A6BAE0245}" dt="2024-04-01T16:27:02.279" v="195" actId="1037"/>
-          <ac:picMkLst>
-            <pc:docMk/>
-            <pc:sldMk cId="2406273178" sldId="256"/>
-            <ac:picMk id="16" creationId="{D7BEC68C-4194-4474-8BB3-4777EE84E383}"/>
-          </ac:picMkLst>
-        </pc:picChg>
-        <pc:picChg chg="mod">
-          <ac:chgData name="Bustio Martínez Lázaro" userId="40a2716d-298b-429a-a0ab-e42e295773ea" providerId="ADAL" clId="{C72C0B7D-9388-48F4-8131-415A6BAE0245}" dt="2024-04-01T16:10:24.930" v="142" actId="1076"/>
-          <ac:picMkLst>
-            <pc:docMk/>
-            <pc:sldMk cId="2406273178" sldId="256"/>
-            <ac:picMk id="20" creationId="{662BDAE2-22FA-71D6-B4AD-D10D403389B8}"/>
-          </ac:picMkLst>
-        </pc:picChg>
-      </pc:sldChg>
-    </pc:docChg>
-  </pc:docChgLst>
-</pc:chgInfo>
 </file>
 
 <file path=ppt/slideLayouts/slideLayout1.xml><?xml version="1.0" encoding="utf-8"?>
@@ -3203,7 +3086,7 @@
                 <a:latin typeface="Sitka Heading"/>
                 <a:cs typeface="Calibri"/>
               </a:rPr>
-              <a:t>El Departamento de Estudios en Ingeniería para la Innovación y la Coordinación de Ciencia de Datos, invitan a la comunidad universitaria al taller:</a:t>
+              <a:t>En el marco del evento de CSAW´24 México, el Departamento de Estudios en Ingeniería para la Innovación y la Coordinación de Ciencia de Datos, invitan a la comunidad universitaria al taller:</a:t>
             </a:r>
             <a:endParaRPr lang="es-MX" sz="1600" dirty="0">
               <a:solidFill>
